--- a/operating-system/reference/CSI3107/figure.pptx
+++ b/operating-system/reference/CSI3107/figure.pptx
@@ -7,6 +7,8 @@
   <p:sldIdLst>
     <p:sldId id="256" r:id="rId2"/>
     <p:sldId id="257" r:id="rId3"/>
+    <p:sldId id="258" r:id="rId4"/>
+    <p:sldId id="259" r:id="rId5"/>
   </p:sldIdLst>
   <p:sldSz cx="12192000" cy="6858000"/>
   <p:notesSz cx="6858000" cy="9144000"/>
@@ -105,6 +107,11 @@
       </a:defRPr>
     </a:lvl9pPr>
   </p:defaultTextStyle>
+  <p:extLst>
+    <p:ext uri="{EFAFB233-063F-42B5-8137-9DF3F51BA10A}">
+      <p15:sldGuideLst xmlns:p15="http://schemas.microsoft.com/office/powerpoint/2012/main"/>
+    </p:ext>
+  </p:extLst>
 </p:presentation>
 </file>
 
@@ -257,7 +264,7 @@
           <a:p>
             <a:fld id="{0E6F38B1-3A5F-A841-B5E8-3AADCC540B56}" type="datetimeFigureOut">
               <a:rPr kumimoji="1" lang="ko-Kore-KR" altLang="en-US" smtClean="0"/>
-              <a:t>2022. 11. 23.</a:t>
+              <a:t>2022. 12. 1.</a:t>
             </a:fld>
             <a:endParaRPr kumimoji="1" lang="ko-Kore-KR" altLang="en-US"/>
           </a:p>
@@ -457,7 +464,7 @@
           <a:p>
             <a:fld id="{0E6F38B1-3A5F-A841-B5E8-3AADCC540B56}" type="datetimeFigureOut">
               <a:rPr kumimoji="1" lang="ko-Kore-KR" altLang="en-US" smtClean="0"/>
-              <a:t>2022. 11. 23.</a:t>
+              <a:t>2022. 12. 1.</a:t>
             </a:fld>
             <a:endParaRPr kumimoji="1" lang="ko-Kore-KR" altLang="en-US"/>
           </a:p>
@@ -667,7 +674,7 @@
           <a:p>
             <a:fld id="{0E6F38B1-3A5F-A841-B5E8-3AADCC540B56}" type="datetimeFigureOut">
               <a:rPr kumimoji="1" lang="ko-Kore-KR" altLang="en-US" smtClean="0"/>
-              <a:t>2022. 11. 23.</a:t>
+              <a:t>2022. 12. 1.</a:t>
             </a:fld>
             <a:endParaRPr kumimoji="1" lang="ko-Kore-KR" altLang="en-US"/>
           </a:p>
@@ -867,7 +874,7 @@
           <a:p>
             <a:fld id="{0E6F38B1-3A5F-A841-B5E8-3AADCC540B56}" type="datetimeFigureOut">
               <a:rPr kumimoji="1" lang="ko-Kore-KR" altLang="en-US" smtClean="0"/>
-              <a:t>2022. 11. 23.</a:t>
+              <a:t>2022. 12. 1.</a:t>
             </a:fld>
             <a:endParaRPr kumimoji="1" lang="ko-Kore-KR" altLang="en-US"/>
           </a:p>
@@ -1143,7 +1150,7 @@
           <a:p>
             <a:fld id="{0E6F38B1-3A5F-A841-B5E8-3AADCC540B56}" type="datetimeFigureOut">
               <a:rPr kumimoji="1" lang="ko-Kore-KR" altLang="en-US" smtClean="0"/>
-              <a:t>2022. 11. 23.</a:t>
+              <a:t>2022. 12. 1.</a:t>
             </a:fld>
             <a:endParaRPr kumimoji="1" lang="ko-Kore-KR" altLang="en-US"/>
           </a:p>
@@ -1411,7 +1418,7 @@
           <a:p>
             <a:fld id="{0E6F38B1-3A5F-A841-B5E8-3AADCC540B56}" type="datetimeFigureOut">
               <a:rPr kumimoji="1" lang="ko-Kore-KR" altLang="en-US" smtClean="0"/>
-              <a:t>2022. 11. 23.</a:t>
+              <a:t>2022. 12. 1.</a:t>
             </a:fld>
             <a:endParaRPr kumimoji="1" lang="ko-Kore-KR" altLang="en-US"/>
           </a:p>
@@ -1826,7 +1833,7 @@
           <a:p>
             <a:fld id="{0E6F38B1-3A5F-A841-B5E8-3AADCC540B56}" type="datetimeFigureOut">
               <a:rPr kumimoji="1" lang="ko-Kore-KR" altLang="en-US" smtClean="0"/>
-              <a:t>2022. 11. 23.</a:t>
+              <a:t>2022. 12. 1.</a:t>
             </a:fld>
             <a:endParaRPr kumimoji="1" lang="ko-Kore-KR" altLang="en-US"/>
           </a:p>
@@ -1968,7 +1975,7 @@
           <a:p>
             <a:fld id="{0E6F38B1-3A5F-A841-B5E8-3AADCC540B56}" type="datetimeFigureOut">
               <a:rPr kumimoji="1" lang="ko-Kore-KR" altLang="en-US" smtClean="0"/>
-              <a:t>2022. 11. 23.</a:t>
+              <a:t>2022. 12. 1.</a:t>
             </a:fld>
             <a:endParaRPr kumimoji="1" lang="ko-Kore-KR" altLang="en-US"/>
           </a:p>
@@ -2081,7 +2088,7 @@
           <a:p>
             <a:fld id="{0E6F38B1-3A5F-A841-B5E8-3AADCC540B56}" type="datetimeFigureOut">
               <a:rPr kumimoji="1" lang="ko-Kore-KR" altLang="en-US" smtClean="0"/>
-              <a:t>2022. 11. 23.</a:t>
+              <a:t>2022. 12. 1.</a:t>
             </a:fld>
             <a:endParaRPr kumimoji="1" lang="ko-Kore-KR" altLang="en-US"/>
           </a:p>
@@ -2394,7 +2401,7 @@
           <a:p>
             <a:fld id="{0E6F38B1-3A5F-A841-B5E8-3AADCC540B56}" type="datetimeFigureOut">
               <a:rPr kumimoji="1" lang="ko-Kore-KR" altLang="en-US" smtClean="0"/>
-              <a:t>2022. 11. 23.</a:t>
+              <a:t>2022. 12. 1.</a:t>
             </a:fld>
             <a:endParaRPr kumimoji="1" lang="ko-Kore-KR" altLang="en-US"/>
           </a:p>
@@ -2683,7 +2690,7 @@
           <a:p>
             <a:fld id="{0E6F38B1-3A5F-A841-B5E8-3AADCC540B56}" type="datetimeFigureOut">
               <a:rPr kumimoji="1" lang="ko-Kore-KR" altLang="en-US" smtClean="0"/>
-              <a:t>2022. 11. 23.</a:t>
+              <a:t>2022. 12. 1.</a:t>
             </a:fld>
             <a:endParaRPr kumimoji="1" lang="ko-Kore-KR" altLang="en-US"/>
           </a:p>
@@ -2926,7 +2933,7 @@
           <a:p>
             <a:fld id="{0E6F38B1-3A5F-A841-B5E8-3AADCC540B56}" type="datetimeFigureOut">
               <a:rPr kumimoji="1" lang="ko-Kore-KR" altLang="en-US" smtClean="0"/>
-              <a:t>2022. 11. 23.</a:t>
+              <a:t>2022. 12. 1.</a:t>
             </a:fld>
             <a:endParaRPr kumimoji="1" lang="ko-Kore-KR" altLang="en-US"/>
           </a:p>
@@ -6174,6 +6181,1091 @@
 </p:sld>
 </file>
 
+<file path=ppt/slides/slide3.xml><?xml version="1.0" encoding="utf-8"?>
+<p:sld xmlns:a="http://schemas.openxmlformats.org/drawingml/2006/main" xmlns:r="http://schemas.openxmlformats.org/officeDocument/2006/relationships" xmlns:p="http://schemas.openxmlformats.org/presentationml/2006/main">
+  <p:cSld>
+    <p:spTree>
+      <p:nvGrpSpPr>
+        <p:cNvPr id="1" name=""/>
+        <p:cNvGrpSpPr/>
+        <p:nvPr/>
+      </p:nvGrpSpPr>
+      <p:grpSpPr>
+        <a:xfrm>
+          <a:off x="0" y="0"/>
+          <a:ext cx="0" cy="0"/>
+          <a:chOff x="0" y="0"/>
+          <a:chExt cx="0" cy="0"/>
+        </a:xfrm>
+      </p:grpSpPr>
+      <p:grpSp>
+        <p:nvGrpSpPr>
+          <p:cNvPr id="2" name="그룹 1">
+            <a:extLst>
+              <a:ext uri="{FF2B5EF4-FFF2-40B4-BE49-F238E27FC236}">
+                <a16:creationId xmlns:a16="http://schemas.microsoft.com/office/drawing/2014/main" id="{92F06FDC-1EB3-542F-CC6B-4EC8D49080CE}"/>
+              </a:ext>
+            </a:extLst>
+          </p:cNvPr>
+          <p:cNvGrpSpPr/>
+          <p:nvPr/>
+        </p:nvGrpSpPr>
+        <p:grpSpPr>
+          <a:xfrm>
+            <a:off x="1502154" y="5491465"/>
+            <a:ext cx="3146263" cy="641665"/>
+            <a:chOff x="1796690" y="35135"/>
+            <a:chExt cx="3146263" cy="641665"/>
+          </a:xfrm>
+        </p:grpSpPr>
+        <p:sp>
+          <p:nvSpPr>
+            <p:cNvPr id="17" name="직사각형 16">
+              <a:extLst>
+                <a:ext uri="{FF2B5EF4-FFF2-40B4-BE49-F238E27FC236}">
+                  <a16:creationId xmlns:a16="http://schemas.microsoft.com/office/drawing/2014/main" id="{03E78ACE-09DF-E02C-7805-09C164F859A5}"/>
+                </a:ext>
+              </a:extLst>
+            </p:cNvPr>
+            <p:cNvSpPr/>
+            <p:nvPr/>
+          </p:nvSpPr>
+          <p:spPr>
+            <a:xfrm>
+              <a:off x="1976690" y="313755"/>
+              <a:ext cx="2880000" cy="360000"/>
+            </a:xfrm>
+            <a:prstGeom prst="rect">
+              <a:avLst/>
+            </a:prstGeom>
+            <a:noFill/>
+            <a:ln w="38100">
+              <a:solidFill>
+                <a:schemeClr val="tx1"/>
+              </a:solidFill>
+            </a:ln>
+          </p:spPr>
+          <p:style>
+            <a:lnRef idx="2">
+              <a:schemeClr val="accent1">
+                <a:shade val="50000"/>
+              </a:schemeClr>
+            </a:lnRef>
+            <a:fillRef idx="1">
+              <a:schemeClr val="accent1"/>
+            </a:fillRef>
+            <a:effectRef idx="0">
+              <a:schemeClr val="accent1"/>
+            </a:effectRef>
+            <a:fontRef idx="minor">
+              <a:schemeClr val="lt1"/>
+            </a:fontRef>
+          </p:style>
+          <p:txBody>
+            <a:bodyPr rtlCol="0" anchor="ctr"/>
+            <a:lstStyle/>
+            <a:p>
+              <a:pPr algn="ctr"/>
+              <a:endParaRPr kumimoji="1" lang="ko-Kore-KR" altLang="en-US" dirty="0">
+                <a:solidFill>
+                  <a:schemeClr val="tx1"/>
+                </a:solidFill>
+              </a:endParaRPr>
+            </a:p>
+          </p:txBody>
+        </p:sp>
+        <p:sp>
+          <p:nvSpPr>
+            <p:cNvPr id="19" name="직사각형 18">
+              <a:extLst>
+                <a:ext uri="{FF2B5EF4-FFF2-40B4-BE49-F238E27FC236}">
+                  <a16:creationId xmlns:a16="http://schemas.microsoft.com/office/drawing/2014/main" id="{C167CCF6-4CDA-B443-FC3F-8C5CF2D93F84}"/>
+                </a:ext>
+              </a:extLst>
+            </p:cNvPr>
+            <p:cNvSpPr/>
+            <p:nvPr/>
+          </p:nvSpPr>
+          <p:spPr>
+            <a:xfrm>
+              <a:off x="4316690" y="309089"/>
+              <a:ext cx="180000" cy="360000"/>
+            </a:xfrm>
+            <a:prstGeom prst="rect">
+              <a:avLst/>
+            </a:prstGeom>
+            <a:noFill/>
+            <a:ln w="12700">
+              <a:solidFill>
+                <a:schemeClr val="tx1"/>
+              </a:solidFill>
+            </a:ln>
+          </p:spPr>
+          <p:style>
+            <a:lnRef idx="2">
+              <a:schemeClr val="accent1">
+                <a:shade val="50000"/>
+              </a:schemeClr>
+            </a:lnRef>
+            <a:fillRef idx="1">
+              <a:schemeClr val="accent1"/>
+            </a:fillRef>
+            <a:effectRef idx="0">
+              <a:schemeClr val="accent1"/>
+            </a:effectRef>
+            <a:fontRef idx="minor">
+              <a:schemeClr val="lt1"/>
+            </a:fontRef>
+          </p:style>
+          <p:txBody>
+            <a:bodyPr lIns="0" rIns="0" rtlCol="0" anchor="ctr"/>
+            <a:lstStyle/>
+            <a:p>
+              <a:pPr algn="ctr"/>
+              <a:r>
+                <a:rPr kumimoji="1" lang="en-US" altLang="ko-Kore-KR" sz="1200" dirty="0">
+                  <a:solidFill>
+                    <a:schemeClr val="tx1"/>
+                  </a:solidFill>
+                </a:rPr>
+                <a:t>TI</a:t>
+              </a:r>
+              <a:endParaRPr kumimoji="1" lang="ko-Kore-KR" altLang="en-US" sz="1200" dirty="0">
+                <a:solidFill>
+                  <a:schemeClr val="tx1"/>
+                </a:solidFill>
+              </a:endParaRPr>
+            </a:p>
+          </p:txBody>
+        </p:sp>
+        <p:sp>
+          <p:nvSpPr>
+            <p:cNvPr id="20" name="직사각형 19">
+              <a:extLst>
+                <a:ext uri="{FF2B5EF4-FFF2-40B4-BE49-F238E27FC236}">
+                  <a16:creationId xmlns:a16="http://schemas.microsoft.com/office/drawing/2014/main" id="{35BAC104-C7F6-9627-D84A-155BC7ED5005}"/>
+                </a:ext>
+              </a:extLst>
+            </p:cNvPr>
+            <p:cNvSpPr/>
+            <p:nvPr/>
+          </p:nvSpPr>
+          <p:spPr>
+            <a:xfrm>
+              <a:off x="4496690" y="316800"/>
+              <a:ext cx="360000" cy="360000"/>
+            </a:xfrm>
+            <a:prstGeom prst="rect">
+              <a:avLst/>
+            </a:prstGeom>
+            <a:noFill/>
+            <a:ln w="12700">
+              <a:solidFill>
+                <a:schemeClr val="tx1"/>
+              </a:solidFill>
+            </a:ln>
+          </p:spPr>
+          <p:style>
+            <a:lnRef idx="2">
+              <a:schemeClr val="accent1">
+                <a:shade val="50000"/>
+              </a:schemeClr>
+            </a:lnRef>
+            <a:fillRef idx="1">
+              <a:schemeClr val="accent1"/>
+            </a:fillRef>
+            <a:effectRef idx="0">
+              <a:schemeClr val="accent1"/>
+            </a:effectRef>
+            <a:fontRef idx="minor">
+              <a:schemeClr val="lt1"/>
+            </a:fontRef>
+          </p:style>
+          <p:txBody>
+            <a:bodyPr lIns="0" rIns="0" rtlCol="0" anchor="ctr"/>
+            <a:lstStyle/>
+            <a:p>
+              <a:pPr algn="ctr"/>
+              <a:r>
+                <a:rPr kumimoji="1" lang="en-US" altLang="ko-Kore-KR" sz="1200" dirty="0">
+                  <a:solidFill>
+                    <a:schemeClr val="tx1"/>
+                  </a:solidFill>
+                </a:rPr>
+                <a:t>RPL</a:t>
+              </a:r>
+              <a:endParaRPr kumimoji="1" lang="ko-Kore-KR" altLang="en-US" sz="1200" dirty="0">
+                <a:solidFill>
+                  <a:schemeClr val="tx1"/>
+                </a:solidFill>
+              </a:endParaRPr>
+            </a:p>
+          </p:txBody>
+        </p:sp>
+        <p:sp>
+          <p:nvSpPr>
+            <p:cNvPr id="21" name="직사각형 20">
+              <a:extLst>
+                <a:ext uri="{FF2B5EF4-FFF2-40B4-BE49-F238E27FC236}">
+                  <a16:creationId xmlns:a16="http://schemas.microsoft.com/office/drawing/2014/main" id="{4A51AD70-92BB-928A-A8BA-9B7A06623AE8}"/>
+                </a:ext>
+              </a:extLst>
+            </p:cNvPr>
+            <p:cNvSpPr/>
+            <p:nvPr/>
+          </p:nvSpPr>
+          <p:spPr>
+            <a:xfrm>
+              <a:off x="1976690" y="316800"/>
+              <a:ext cx="2340000" cy="360000"/>
+            </a:xfrm>
+            <a:prstGeom prst="rect">
+              <a:avLst/>
+            </a:prstGeom>
+            <a:noFill/>
+            <a:ln w="12700">
+              <a:solidFill>
+                <a:schemeClr val="tx1"/>
+              </a:solidFill>
+            </a:ln>
+          </p:spPr>
+          <p:style>
+            <a:lnRef idx="2">
+              <a:schemeClr val="accent1">
+                <a:shade val="50000"/>
+              </a:schemeClr>
+            </a:lnRef>
+            <a:fillRef idx="1">
+              <a:schemeClr val="accent1"/>
+            </a:fillRef>
+            <a:effectRef idx="0">
+              <a:schemeClr val="accent1"/>
+            </a:effectRef>
+            <a:fontRef idx="minor">
+              <a:schemeClr val="lt1"/>
+            </a:fontRef>
+          </p:style>
+          <p:txBody>
+            <a:bodyPr lIns="0" rIns="0" rtlCol="0" anchor="ctr"/>
+            <a:lstStyle/>
+            <a:p>
+              <a:pPr algn="ctr"/>
+              <a:r>
+                <a:rPr kumimoji="1" lang="en-US" altLang="ko-Kore-KR" sz="1200" dirty="0">
+                  <a:solidFill>
+                    <a:schemeClr val="tx1"/>
+                  </a:solidFill>
+                </a:rPr>
+                <a:t>Index</a:t>
+              </a:r>
+            </a:p>
+          </p:txBody>
+        </p:sp>
+        <p:sp>
+          <p:nvSpPr>
+            <p:cNvPr id="22" name="TextBox 21">
+              <a:extLst>
+                <a:ext uri="{FF2B5EF4-FFF2-40B4-BE49-F238E27FC236}">
+                  <a16:creationId xmlns:a16="http://schemas.microsoft.com/office/drawing/2014/main" id="{FCB2A3A6-EB16-4EBF-994E-B97BE1F910F6}"/>
+                </a:ext>
+              </a:extLst>
+            </p:cNvPr>
+            <p:cNvSpPr txBox="1"/>
+            <p:nvPr/>
+          </p:nvSpPr>
+          <p:spPr>
+            <a:xfrm>
+              <a:off x="1796690" y="36000"/>
+              <a:ext cx="361523" cy="276999"/>
+            </a:xfrm>
+            <a:prstGeom prst="rect">
+              <a:avLst/>
+            </a:prstGeom>
+            <a:noFill/>
+          </p:spPr>
+          <p:txBody>
+            <a:bodyPr wrap="square">
+              <a:spAutoFit/>
+            </a:bodyPr>
+            <a:lstStyle/>
+            <a:p>
+              <a:pPr algn="ctr"/>
+              <a:r>
+                <a:rPr kumimoji="1" lang="en-US" altLang="ko-Kore-KR" sz="1200" dirty="0">
+                  <a:solidFill>
+                    <a:schemeClr val="tx1"/>
+                  </a:solidFill>
+                </a:rPr>
+                <a:t>15</a:t>
+              </a:r>
+              <a:endParaRPr kumimoji="1" lang="ko-Kore-KR" altLang="en-US" sz="1200" dirty="0">
+                <a:solidFill>
+                  <a:schemeClr val="tx1"/>
+                </a:solidFill>
+              </a:endParaRPr>
+            </a:p>
+          </p:txBody>
+        </p:sp>
+        <p:sp>
+          <p:nvSpPr>
+            <p:cNvPr id="23" name="TextBox 22">
+              <a:extLst>
+                <a:ext uri="{FF2B5EF4-FFF2-40B4-BE49-F238E27FC236}">
+                  <a16:creationId xmlns:a16="http://schemas.microsoft.com/office/drawing/2014/main" id="{1B964793-35AE-416F-FBBE-C246C053BDD6}"/>
+                </a:ext>
+              </a:extLst>
+            </p:cNvPr>
+            <p:cNvSpPr txBox="1"/>
+            <p:nvPr/>
+          </p:nvSpPr>
+          <p:spPr>
+            <a:xfrm>
+              <a:off x="4226690" y="35135"/>
+              <a:ext cx="180000" cy="276999"/>
+            </a:xfrm>
+            <a:prstGeom prst="rect">
+              <a:avLst/>
+            </a:prstGeom>
+            <a:noFill/>
+          </p:spPr>
+          <p:txBody>
+            <a:bodyPr wrap="square">
+              <a:spAutoFit/>
+            </a:bodyPr>
+            <a:lstStyle/>
+            <a:p>
+              <a:pPr algn="ctr"/>
+              <a:r>
+                <a:rPr kumimoji="1" lang="en-US" altLang="ko-Kore-KR" sz="1200" dirty="0">
+                  <a:solidFill>
+                    <a:schemeClr val="tx1"/>
+                  </a:solidFill>
+                </a:rPr>
+                <a:t>3</a:t>
+              </a:r>
+              <a:endParaRPr kumimoji="1" lang="ko-Kore-KR" altLang="en-US" sz="1200" dirty="0">
+                <a:solidFill>
+                  <a:schemeClr val="tx1"/>
+                </a:solidFill>
+              </a:endParaRPr>
+            </a:p>
+          </p:txBody>
+        </p:sp>
+        <p:sp>
+          <p:nvSpPr>
+            <p:cNvPr id="24" name="TextBox 23">
+              <a:extLst>
+                <a:ext uri="{FF2B5EF4-FFF2-40B4-BE49-F238E27FC236}">
+                  <a16:creationId xmlns:a16="http://schemas.microsoft.com/office/drawing/2014/main" id="{0B34DD29-F8FC-EAA7-CF93-DA99EF8F2703}"/>
+                </a:ext>
+              </a:extLst>
+            </p:cNvPr>
+            <p:cNvSpPr txBox="1"/>
+            <p:nvPr/>
+          </p:nvSpPr>
+          <p:spPr>
+            <a:xfrm>
+              <a:off x="4410427" y="36000"/>
+              <a:ext cx="180000" cy="276999"/>
+            </a:xfrm>
+            <a:prstGeom prst="rect">
+              <a:avLst/>
+            </a:prstGeom>
+            <a:noFill/>
+          </p:spPr>
+          <p:txBody>
+            <a:bodyPr wrap="square">
+              <a:spAutoFit/>
+            </a:bodyPr>
+            <a:lstStyle/>
+            <a:p>
+              <a:pPr algn="ctr"/>
+              <a:r>
+                <a:rPr kumimoji="1" lang="en-US" altLang="ko-Kore-KR" sz="1200" dirty="0"/>
+                <a:t>2</a:t>
+              </a:r>
+              <a:endParaRPr kumimoji="1" lang="ko-Kore-KR" altLang="en-US" sz="1200" dirty="0">
+                <a:solidFill>
+                  <a:schemeClr val="tx1"/>
+                </a:solidFill>
+              </a:endParaRPr>
+            </a:p>
+          </p:txBody>
+        </p:sp>
+        <p:sp>
+          <p:nvSpPr>
+            <p:cNvPr id="25" name="TextBox 24">
+              <a:extLst>
+                <a:ext uri="{FF2B5EF4-FFF2-40B4-BE49-F238E27FC236}">
+                  <a16:creationId xmlns:a16="http://schemas.microsoft.com/office/drawing/2014/main" id="{2AFAF0D3-39D5-0B7C-B306-562500CB78BA}"/>
+                </a:ext>
+              </a:extLst>
+            </p:cNvPr>
+            <p:cNvSpPr txBox="1"/>
+            <p:nvPr/>
+          </p:nvSpPr>
+          <p:spPr>
+            <a:xfrm>
+              <a:off x="4762953" y="35135"/>
+              <a:ext cx="180000" cy="276999"/>
+            </a:xfrm>
+            <a:prstGeom prst="rect">
+              <a:avLst/>
+            </a:prstGeom>
+            <a:noFill/>
+          </p:spPr>
+          <p:txBody>
+            <a:bodyPr wrap="square">
+              <a:spAutoFit/>
+            </a:bodyPr>
+            <a:lstStyle/>
+            <a:p>
+              <a:pPr algn="ctr"/>
+              <a:r>
+                <a:rPr kumimoji="1" lang="en-US" altLang="ko-Kore-KR" sz="1200" dirty="0"/>
+                <a:t>0</a:t>
+              </a:r>
+              <a:endParaRPr kumimoji="1" lang="ko-Kore-KR" altLang="en-US" sz="1200" dirty="0">
+                <a:solidFill>
+                  <a:schemeClr val="tx1"/>
+                </a:solidFill>
+              </a:endParaRPr>
+            </a:p>
+          </p:txBody>
+        </p:sp>
+      </p:grpSp>
+      <p:sp>
+        <p:nvSpPr>
+          <p:cNvPr id="27" name="직사각형 26">
+            <a:extLst>
+              <a:ext uri="{FF2B5EF4-FFF2-40B4-BE49-F238E27FC236}">
+                <a16:creationId xmlns:a16="http://schemas.microsoft.com/office/drawing/2014/main" id="{EF430E40-4340-96BC-BEF2-1A0134E1A466}"/>
+              </a:ext>
+            </a:extLst>
+          </p:cNvPr>
+          <p:cNvSpPr/>
+          <p:nvPr/>
+        </p:nvSpPr>
+        <p:spPr>
+          <a:xfrm>
+            <a:off x="3405912" y="677349"/>
+            <a:ext cx="2879999" cy="2880000"/>
+          </a:xfrm>
+          <a:prstGeom prst="rect">
+            <a:avLst/>
+          </a:prstGeom>
+          <a:noFill/>
+          <a:ln w="38100">
+            <a:solidFill>
+              <a:schemeClr val="tx1"/>
+            </a:solidFill>
+          </a:ln>
+        </p:spPr>
+        <p:style>
+          <a:lnRef idx="2">
+            <a:schemeClr val="accent1">
+              <a:shade val="50000"/>
+            </a:schemeClr>
+          </a:lnRef>
+          <a:fillRef idx="1">
+            <a:schemeClr val="accent1"/>
+          </a:fillRef>
+          <a:effectRef idx="0">
+            <a:schemeClr val="accent1"/>
+          </a:effectRef>
+          <a:fontRef idx="minor">
+            <a:schemeClr val="lt1"/>
+          </a:fontRef>
+        </p:style>
+        <p:txBody>
+          <a:bodyPr rtlCol="0" anchor="ctr"/>
+          <a:lstStyle/>
+          <a:p>
+            <a:pPr algn="ctr"/>
+            <a:endParaRPr kumimoji="1" lang="ko-Kore-KR" altLang="en-US" dirty="0">
+              <a:solidFill>
+                <a:schemeClr val="tx1"/>
+              </a:solidFill>
+            </a:endParaRPr>
+          </a:p>
+        </p:txBody>
+      </p:sp>
+      <p:cxnSp>
+        <p:nvCxnSpPr>
+          <p:cNvPr id="4" name="꺾인 연결선[E] 3">
+            <a:extLst>
+              <a:ext uri="{FF2B5EF4-FFF2-40B4-BE49-F238E27FC236}">
+                <a16:creationId xmlns:a16="http://schemas.microsoft.com/office/drawing/2014/main" id="{E238BA94-F871-D242-0575-25577E0D2662}"/>
+              </a:ext>
+            </a:extLst>
+          </p:cNvPr>
+          <p:cNvCxnSpPr>
+            <a:cxnSpLocks/>
+            <a:stCxn id="21" idx="0"/>
+            <a:endCxn id="27" idx="1"/>
+          </p:cNvCxnSpPr>
+          <p:nvPr/>
+        </p:nvCxnSpPr>
+        <p:spPr>
+          <a:xfrm rot="5400000" flipH="1" flipV="1">
+            <a:off x="1301143" y="3668361"/>
+            <a:ext cx="3655781" cy="553758"/>
+          </a:xfrm>
+          <a:prstGeom prst="bentConnector2">
+            <a:avLst/>
+          </a:prstGeom>
+          <a:ln w="38100">
+            <a:solidFill>
+              <a:schemeClr val="tx1"/>
+            </a:solidFill>
+            <a:tailEnd type="triangle"/>
+          </a:ln>
+        </p:spPr>
+        <p:style>
+          <a:lnRef idx="1">
+            <a:schemeClr val="accent1"/>
+          </a:lnRef>
+          <a:fillRef idx="0">
+            <a:schemeClr val="accent1"/>
+          </a:fillRef>
+          <a:effectRef idx="0">
+            <a:schemeClr val="accent1"/>
+          </a:effectRef>
+          <a:fontRef idx="minor">
+            <a:schemeClr val="tx1"/>
+          </a:fontRef>
+        </p:style>
+      </p:cxnSp>
+      <p:sp>
+        <p:nvSpPr>
+          <p:cNvPr id="28" name="직사각형 27">
+            <a:extLst>
+              <a:ext uri="{FF2B5EF4-FFF2-40B4-BE49-F238E27FC236}">
+                <a16:creationId xmlns:a16="http://schemas.microsoft.com/office/drawing/2014/main" id="{610E3EA7-000B-9866-F1A2-5ADCECEF4A6D}"/>
+              </a:ext>
+            </a:extLst>
+          </p:cNvPr>
+          <p:cNvSpPr/>
+          <p:nvPr/>
+        </p:nvSpPr>
+        <p:spPr>
+          <a:xfrm>
+            <a:off x="4112154" y="4268750"/>
+            <a:ext cx="3240000" cy="360000"/>
+          </a:xfrm>
+          <a:prstGeom prst="rect">
+            <a:avLst/>
+          </a:prstGeom>
+          <a:noFill/>
+          <a:ln w="38100">
+            <a:solidFill>
+              <a:schemeClr val="tx1"/>
+            </a:solidFill>
+          </a:ln>
+        </p:spPr>
+        <p:style>
+          <a:lnRef idx="2">
+            <a:schemeClr val="accent1">
+              <a:shade val="50000"/>
+            </a:schemeClr>
+          </a:lnRef>
+          <a:fillRef idx="1">
+            <a:schemeClr val="accent1"/>
+          </a:fillRef>
+          <a:effectRef idx="0">
+            <a:schemeClr val="accent1"/>
+          </a:effectRef>
+          <a:fontRef idx="minor">
+            <a:schemeClr val="lt1"/>
+          </a:fontRef>
+        </p:style>
+        <p:txBody>
+          <a:bodyPr rtlCol="0" anchor="ctr"/>
+          <a:lstStyle/>
+          <a:p>
+            <a:pPr algn="ctr"/>
+            <a:endParaRPr kumimoji="1" lang="ko-Kore-KR" altLang="en-US" dirty="0">
+              <a:solidFill>
+                <a:schemeClr val="tx1"/>
+              </a:solidFill>
+            </a:endParaRPr>
+          </a:p>
+        </p:txBody>
+      </p:sp>
+      <p:sp>
+        <p:nvSpPr>
+          <p:cNvPr id="29" name="직사각형 28">
+            <a:extLst>
+              <a:ext uri="{FF2B5EF4-FFF2-40B4-BE49-F238E27FC236}">
+                <a16:creationId xmlns:a16="http://schemas.microsoft.com/office/drawing/2014/main" id="{0767FB70-17A0-2A9A-44F2-099CBA601A3B}"/>
+              </a:ext>
+            </a:extLst>
+          </p:cNvPr>
+          <p:cNvSpPr/>
+          <p:nvPr/>
+        </p:nvSpPr>
+        <p:spPr>
+          <a:xfrm>
+            <a:off x="6272154" y="4269411"/>
+            <a:ext cx="1080000" cy="360000"/>
+          </a:xfrm>
+          <a:prstGeom prst="rect">
+            <a:avLst/>
+          </a:prstGeom>
+          <a:noFill/>
+          <a:ln w="12700">
+            <a:solidFill>
+              <a:schemeClr val="tx1"/>
+            </a:solidFill>
+          </a:ln>
+        </p:spPr>
+        <p:style>
+          <a:lnRef idx="2">
+            <a:schemeClr val="accent1">
+              <a:shade val="50000"/>
+            </a:schemeClr>
+          </a:lnRef>
+          <a:fillRef idx="1">
+            <a:schemeClr val="accent1"/>
+          </a:fillRef>
+          <a:effectRef idx="0">
+            <a:schemeClr val="accent1"/>
+          </a:effectRef>
+          <a:fontRef idx="minor">
+            <a:schemeClr val="lt1"/>
+          </a:fontRef>
+        </p:style>
+        <p:txBody>
+          <a:bodyPr lIns="0" rIns="0" rtlCol="0" anchor="ctr"/>
+          <a:lstStyle/>
+          <a:p>
+            <a:pPr algn="ctr"/>
+            <a:r>
+              <a:rPr kumimoji="1" lang="en-US" altLang="ko-Kore-KR" sz="1200" dirty="0">
+                <a:solidFill>
+                  <a:schemeClr val="tx1"/>
+                </a:solidFill>
+              </a:rPr>
+              <a:t>limit</a:t>
+            </a:r>
+            <a:endParaRPr kumimoji="1" lang="ko-Kore-KR" altLang="en-US" sz="1200" dirty="0">
+              <a:solidFill>
+                <a:schemeClr val="tx1"/>
+              </a:solidFill>
+            </a:endParaRPr>
+          </a:p>
+        </p:txBody>
+      </p:sp>
+      <p:sp>
+        <p:nvSpPr>
+          <p:cNvPr id="31" name="직사각형 30">
+            <a:extLst>
+              <a:ext uri="{FF2B5EF4-FFF2-40B4-BE49-F238E27FC236}">
+                <a16:creationId xmlns:a16="http://schemas.microsoft.com/office/drawing/2014/main" id="{B215454B-141E-50F4-5FD8-09EEB3722107}"/>
+              </a:ext>
+            </a:extLst>
+          </p:cNvPr>
+          <p:cNvSpPr/>
+          <p:nvPr/>
+        </p:nvSpPr>
+        <p:spPr>
+          <a:xfrm>
+            <a:off x="4112154" y="4271795"/>
+            <a:ext cx="2160000" cy="360000"/>
+          </a:xfrm>
+          <a:prstGeom prst="rect">
+            <a:avLst/>
+          </a:prstGeom>
+          <a:noFill/>
+          <a:ln w="12700">
+            <a:solidFill>
+              <a:schemeClr val="tx1"/>
+            </a:solidFill>
+          </a:ln>
+        </p:spPr>
+        <p:style>
+          <a:lnRef idx="2">
+            <a:schemeClr val="accent1">
+              <a:shade val="50000"/>
+            </a:schemeClr>
+          </a:lnRef>
+          <a:fillRef idx="1">
+            <a:schemeClr val="accent1"/>
+          </a:fillRef>
+          <a:effectRef idx="0">
+            <a:schemeClr val="accent1"/>
+          </a:effectRef>
+          <a:fontRef idx="minor">
+            <a:schemeClr val="lt1"/>
+          </a:fontRef>
+        </p:style>
+        <p:txBody>
+          <a:bodyPr lIns="0" rIns="0" rtlCol="0" anchor="ctr"/>
+          <a:lstStyle/>
+          <a:p>
+            <a:pPr algn="ctr"/>
+            <a:r>
+              <a:rPr kumimoji="1" lang="en-US" altLang="ko-Kore-KR" sz="1200" dirty="0">
+                <a:solidFill>
+                  <a:schemeClr val="tx1"/>
+                </a:solidFill>
+              </a:rPr>
+              <a:t>base</a:t>
+            </a:r>
+          </a:p>
+        </p:txBody>
+      </p:sp>
+      <p:sp>
+        <p:nvSpPr>
+          <p:cNvPr id="32" name="TextBox 31">
+            <a:extLst>
+              <a:ext uri="{FF2B5EF4-FFF2-40B4-BE49-F238E27FC236}">
+                <a16:creationId xmlns:a16="http://schemas.microsoft.com/office/drawing/2014/main" id="{DC54A6C4-839E-5F83-8547-BEB29519698C}"/>
+              </a:ext>
+            </a:extLst>
+          </p:cNvPr>
+          <p:cNvSpPr txBox="1"/>
+          <p:nvPr/>
+        </p:nvSpPr>
+        <p:spPr>
+          <a:xfrm>
+            <a:off x="3932154" y="3990995"/>
+            <a:ext cx="361523" cy="276999"/>
+          </a:xfrm>
+          <a:prstGeom prst="rect">
+            <a:avLst/>
+          </a:prstGeom>
+          <a:noFill/>
+        </p:spPr>
+        <p:txBody>
+          <a:bodyPr wrap="square">
+            <a:spAutoFit/>
+          </a:bodyPr>
+          <a:lstStyle/>
+          <a:p>
+            <a:pPr algn="ctr"/>
+            <a:r>
+              <a:rPr kumimoji="1" lang="en-US" altLang="ko-Kore-KR" sz="1200" dirty="0"/>
+              <a:t>47</a:t>
+            </a:r>
+            <a:endParaRPr kumimoji="1" lang="ko-Kore-KR" altLang="en-US" sz="1200" dirty="0">
+              <a:solidFill>
+                <a:schemeClr val="tx1"/>
+              </a:solidFill>
+            </a:endParaRPr>
+          </a:p>
+        </p:txBody>
+      </p:sp>
+      <p:sp>
+        <p:nvSpPr>
+          <p:cNvPr id="33" name="TextBox 32">
+            <a:extLst>
+              <a:ext uri="{FF2B5EF4-FFF2-40B4-BE49-F238E27FC236}">
+                <a16:creationId xmlns:a16="http://schemas.microsoft.com/office/drawing/2014/main" id="{DBEDCAFE-4AB0-87F1-F400-CF6B0FB49E51}"/>
+              </a:ext>
+            </a:extLst>
+          </p:cNvPr>
+          <p:cNvSpPr txBox="1"/>
+          <p:nvPr/>
+        </p:nvSpPr>
+        <p:spPr>
+          <a:xfrm>
+            <a:off x="6136392" y="3988706"/>
+            <a:ext cx="271523" cy="276999"/>
+          </a:xfrm>
+          <a:prstGeom prst="rect">
+            <a:avLst/>
+          </a:prstGeom>
+          <a:noFill/>
+        </p:spPr>
+        <p:txBody>
+          <a:bodyPr wrap="square" lIns="0" rIns="0">
+            <a:spAutoFit/>
+          </a:bodyPr>
+          <a:lstStyle/>
+          <a:p>
+            <a:pPr algn="ctr"/>
+            <a:r>
+              <a:rPr kumimoji="1" lang="en-US" altLang="ko-Kore-KR" sz="1200" dirty="0">
+                <a:solidFill>
+                  <a:schemeClr val="tx1"/>
+                </a:solidFill>
+              </a:rPr>
+              <a:t>15</a:t>
+            </a:r>
+            <a:endParaRPr kumimoji="1" lang="ko-Kore-KR" altLang="en-US" sz="1200" dirty="0">
+              <a:solidFill>
+                <a:schemeClr val="tx1"/>
+              </a:solidFill>
+            </a:endParaRPr>
+          </a:p>
+        </p:txBody>
+      </p:sp>
+      <p:sp>
+        <p:nvSpPr>
+          <p:cNvPr id="35" name="TextBox 34">
+            <a:extLst>
+              <a:ext uri="{FF2B5EF4-FFF2-40B4-BE49-F238E27FC236}">
+                <a16:creationId xmlns:a16="http://schemas.microsoft.com/office/drawing/2014/main" id="{67AD266F-6EF3-0C00-1D52-362BDB9477F9}"/>
+              </a:ext>
+            </a:extLst>
+          </p:cNvPr>
+          <p:cNvSpPr txBox="1"/>
+          <p:nvPr/>
+        </p:nvSpPr>
+        <p:spPr>
+          <a:xfrm>
+            <a:off x="7262154" y="3988706"/>
+            <a:ext cx="180000" cy="276999"/>
+          </a:xfrm>
+          <a:prstGeom prst="rect">
+            <a:avLst/>
+          </a:prstGeom>
+          <a:noFill/>
+        </p:spPr>
+        <p:txBody>
+          <a:bodyPr wrap="square">
+            <a:spAutoFit/>
+          </a:bodyPr>
+          <a:lstStyle/>
+          <a:p>
+            <a:pPr algn="ctr"/>
+            <a:r>
+              <a:rPr kumimoji="1" lang="en-US" altLang="ko-Kore-KR" sz="1200" dirty="0"/>
+              <a:t>0</a:t>
+            </a:r>
+            <a:endParaRPr kumimoji="1" lang="ko-Kore-KR" altLang="en-US" sz="1200" dirty="0">
+              <a:solidFill>
+                <a:schemeClr val="tx1"/>
+              </a:solidFill>
+            </a:endParaRPr>
+          </a:p>
+        </p:txBody>
+      </p:sp>
+      <p:sp>
+        <p:nvSpPr>
+          <p:cNvPr id="36" name="TextBox 35">
+            <a:extLst>
+              <a:ext uri="{FF2B5EF4-FFF2-40B4-BE49-F238E27FC236}">
+                <a16:creationId xmlns:a16="http://schemas.microsoft.com/office/drawing/2014/main" id="{A21341F3-A449-6693-B49B-F634E693ABCA}"/>
+              </a:ext>
+            </a:extLst>
+          </p:cNvPr>
+          <p:cNvSpPr txBox="1"/>
+          <p:nvPr/>
+        </p:nvSpPr>
+        <p:spPr>
+          <a:xfrm>
+            <a:off x="2347132" y="6239747"/>
+            <a:ext cx="1946545" cy="369332"/>
+          </a:xfrm>
+          <a:prstGeom prst="rect">
+            <a:avLst/>
+          </a:prstGeom>
+          <a:noFill/>
+        </p:spPr>
+        <p:txBody>
+          <a:bodyPr wrap="square">
+            <a:spAutoFit/>
+          </a:bodyPr>
+          <a:lstStyle/>
+          <a:p>
+            <a:pPr algn="ctr"/>
+            <a:r>
+              <a:rPr kumimoji="1" lang="en-US" altLang="ko-Kore-KR" dirty="0">
+                <a:solidFill>
+                  <a:schemeClr val="tx1"/>
+                </a:solidFill>
+              </a:rPr>
+              <a:t>Segment Selector</a:t>
+            </a:r>
+            <a:endParaRPr kumimoji="1" lang="ko-Kore-KR" altLang="en-US" dirty="0">
+              <a:solidFill>
+                <a:schemeClr val="tx1"/>
+              </a:solidFill>
+            </a:endParaRPr>
+          </a:p>
+        </p:txBody>
+      </p:sp>
+      <p:cxnSp>
+        <p:nvCxnSpPr>
+          <p:cNvPr id="10" name="직선 화살표 연결선 9">
+            <a:extLst>
+              <a:ext uri="{FF2B5EF4-FFF2-40B4-BE49-F238E27FC236}">
+                <a16:creationId xmlns:a16="http://schemas.microsoft.com/office/drawing/2014/main" id="{783E819C-9D10-57C5-8F8C-9E92BA4315D6}"/>
+              </a:ext>
+            </a:extLst>
+          </p:cNvPr>
+          <p:cNvCxnSpPr>
+            <a:cxnSpLocks/>
+          </p:cNvCxnSpPr>
+          <p:nvPr/>
+        </p:nvCxnSpPr>
+        <p:spPr>
+          <a:xfrm flipH="1" flipV="1">
+            <a:off x="4108417" y="4636461"/>
+            <a:ext cx="3737" cy="1146001"/>
+          </a:xfrm>
+          <a:prstGeom prst="straightConnector1">
+            <a:avLst/>
+          </a:prstGeom>
+          <a:ln w="38100">
+            <a:solidFill>
+              <a:schemeClr val="tx1"/>
+            </a:solidFill>
+            <a:tailEnd type="triangle"/>
+          </a:ln>
+        </p:spPr>
+        <p:style>
+          <a:lnRef idx="1">
+            <a:schemeClr val="accent1"/>
+          </a:lnRef>
+          <a:fillRef idx="0">
+            <a:schemeClr val="accent1"/>
+          </a:fillRef>
+          <a:effectRef idx="0">
+            <a:schemeClr val="accent1"/>
+          </a:effectRef>
+          <a:fontRef idx="minor">
+            <a:schemeClr val="tx1"/>
+          </a:fontRef>
+        </p:style>
+      </p:cxnSp>
+      <p:sp>
+        <p:nvSpPr>
+          <p:cNvPr id="38" name="TextBox 37">
+            <a:extLst>
+              <a:ext uri="{FF2B5EF4-FFF2-40B4-BE49-F238E27FC236}">
+                <a16:creationId xmlns:a16="http://schemas.microsoft.com/office/drawing/2014/main" id="{D7540D2E-7159-0D0C-40FA-DBE4FB27F03D}"/>
+              </a:ext>
+            </a:extLst>
+          </p:cNvPr>
+          <p:cNvSpPr txBox="1"/>
+          <p:nvPr/>
+        </p:nvSpPr>
+        <p:spPr>
+          <a:xfrm>
+            <a:off x="4558417" y="3649583"/>
+            <a:ext cx="1946545" cy="369332"/>
+          </a:xfrm>
+          <a:prstGeom prst="rect">
+            <a:avLst/>
+          </a:prstGeom>
+          <a:noFill/>
+        </p:spPr>
+        <p:txBody>
+          <a:bodyPr wrap="square">
+            <a:spAutoFit/>
+          </a:bodyPr>
+          <a:lstStyle/>
+          <a:p>
+            <a:pPr algn="ctr"/>
+            <a:r>
+              <a:rPr kumimoji="1" lang="en-US" altLang="ko-Kore-KR" dirty="0">
+                <a:solidFill>
+                  <a:schemeClr val="tx1"/>
+                </a:solidFill>
+              </a:rPr>
+              <a:t>GDTR or LDTR</a:t>
+            </a:r>
+            <a:endParaRPr kumimoji="1" lang="ko-Kore-KR" altLang="en-US" dirty="0">
+              <a:solidFill>
+                <a:schemeClr val="tx1"/>
+              </a:solidFill>
+            </a:endParaRPr>
+          </a:p>
+        </p:txBody>
+      </p:sp>
+      <p:cxnSp>
+        <p:nvCxnSpPr>
+          <p:cNvPr id="42" name="꺾인 연결선[E] 41">
+            <a:extLst>
+              <a:ext uri="{FF2B5EF4-FFF2-40B4-BE49-F238E27FC236}">
+                <a16:creationId xmlns:a16="http://schemas.microsoft.com/office/drawing/2014/main" id="{4FC0A894-F1D9-8CF3-FB6E-1BC8E21E29E7}"/>
+              </a:ext>
+            </a:extLst>
+          </p:cNvPr>
+          <p:cNvCxnSpPr>
+            <a:cxnSpLocks/>
+            <a:stCxn id="31" idx="1"/>
+          </p:cNvCxnSpPr>
+          <p:nvPr/>
+        </p:nvCxnSpPr>
+        <p:spPr>
+          <a:xfrm rot="10800000">
+            <a:off x="3392110" y="3535397"/>
+            <a:ext cx="720044" cy="916399"/>
+          </a:xfrm>
+          <a:prstGeom prst="bentConnector3">
+            <a:avLst>
+              <a:gd name="adj1" fmla="val 131748"/>
+            </a:avLst>
+          </a:prstGeom>
+          <a:ln w="38100">
+            <a:solidFill>
+              <a:schemeClr val="tx1"/>
+            </a:solidFill>
+            <a:tailEnd type="triangle"/>
+          </a:ln>
+        </p:spPr>
+        <p:style>
+          <a:lnRef idx="1">
+            <a:schemeClr val="accent1"/>
+          </a:lnRef>
+          <a:fillRef idx="0">
+            <a:schemeClr val="accent1"/>
+          </a:fillRef>
+          <a:effectRef idx="0">
+            <a:schemeClr val="accent1"/>
+          </a:effectRef>
+          <a:fontRef idx="minor">
+            <a:schemeClr val="tx1"/>
+          </a:fontRef>
+        </p:style>
+      </p:cxnSp>
+    </p:spTree>
+    <p:extLst>
+      <p:ext uri="{BB962C8B-B14F-4D97-AF65-F5344CB8AC3E}">
+        <p14:creationId xmlns:p14="http://schemas.microsoft.com/office/powerpoint/2010/main" val="1313296412"/>
+      </p:ext>
+    </p:extLst>
+  </p:cSld>
+  <p:clrMapOvr>
+    <a:masterClrMapping/>
+  </p:clrMapOvr>
+</p:sld>
+</file>
+
+<file path=ppt/slides/slide4.xml><?xml version="1.0" encoding="utf-8"?>
+<p:sld xmlns:a="http://schemas.openxmlformats.org/drawingml/2006/main" xmlns:r="http://schemas.openxmlformats.org/officeDocument/2006/relationships" xmlns:p="http://schemas.openxmlformats.org/presentationml/2006/main">
+  <p:cSld>
+    <p:spTree>
+      <p:nvGrpSpPr>
+        <p:cNvPr id="1" name=""/>
+        <p:cNvGrpSpPr/>
+        <p:nvPr/>
+      </p:nvGrpSpPr>
+      <p:grpSpPr>
+        <a:xfrm>
+          <a:off x="0" y="0"/>
+          <a:ext cx="0" cy="0"/>
+          <a:chOff x="0" y="0"/>
+          <a:chExt cx="0" cy="0"/>
+        </a:xfrm>
+      </p:grpSpPr>
+    </p:spTree>
+    <p:extLst>
+      <p:ext uri="{BB962C8B-B14F-4D97-AF65-F5344CB8AC3E}">
+        <p14:creationId xmlns:p14="http://schemas.microsoft.com/office/powerpoint/2010/main" val="2363740150"/>
+      </p:ext>
+    </p:extLst>
+  </p:cSld>
+  <p:clrMapOvr>
+    <a:masterClrMapping/>
+  </p:clrMapOvr>
+</p:sld>
+</file>
+
 <file path=ppt/theme/theme1.xml><?xml version="1.0" encoding="utf-8"?>
 <a:theme xmlns:a="http://schemas.openxmlformats.org/drawingml/2006/main" name="Office 테마">
   <a:themeElements>

--- a/operating-system/reference/CSI3107/figure.pptx
+++ b/operating-system/reference/CSI3107/figure.pptx
@@ -264,7 +264,7 @@
           <a:p>
             <a:fld id="{0E6F38B1-3A5F-A841-B5E8-3AADCC540B56}" type="datetimeFigureOut">
               <a:rPr kumimoji="1" lang="ko-Kore-KR" altLang="en-US" smtClean="0"/>
-              <a:t>2022. 12. 1.</a:t>
+              <a:t>2022. 12. 23.</a:t>
             </a:fld>
             <a:endParaRPr kumimoji="1" lang="ko-Kore-KR" altLang="en-US"/>
           </a:p>
@@ -464,7 +464,7 @@
           <a:p>
             <a:fld id="{0E6F38B1-3A5F-A841-B5E8-3AADCC540B56}" type="datetimeFigureOut">
               <a:rPr kumimoji="1" lang="ko-Kore-KR" altLang="en-US" smtClean="0"/>
-              <a:t>2022. 12. 1.</a:t>
+              <a:t>2022. 12. 23.</a:t>
             </a:fld>
             <a:endParaRPr kumimoji="1" lang="ko-Kore-KR" altLang="en-US"/>
           </a:p>
@@ -674,7 +674,7 @@
           <a:p>
             <a:fld id="{0E6F38B1-3A5F-A841-B5E8-3AADCC540B56}" type="datetimeFigureOut">
               <a:rPr kumimoji="1" lang="ko-Kore-KR" altLang="en-US" smtClean="0"/>
-              <a:t>2022. 12. 1.</a:t>
+              <a:t>2022. 12. 23.</a:t>
             </a:fld>
             <a:endParaRPr kumimoji="1" lang="ko-Kore-KR" altLang="en-US"/>
           </a:p>
@@ -874,7 +874,7 @@
           <a:p>
             <a:fld id="{0E6F38B1-3A5F-A841-B5E8-3AADCC540B56}" type="datetimeFigureOut">
               <a:rPr kumimoji="1" lang="ko-Kore-KR" altLang="en-US" smtClean="0"/>
-              <a:t>2022. 12. 1.</a:t>
+              <a:t>2022. 12. 23.</a:t>
             </a:fld>
             <a:endParaRPr kumimoji="1" lang="ko-Kore-KR" altLang="en-US"/>
           </a:p>
@@ -1150,7 +1150,7 @@
           <a:p>
             <a:fld id="{0E6F38B1-3A5F-A841-B5E8-3AADCC540B56}" type="datetimeFigureOut">
               <a:rPr kumimoji="1" lang="ko-Kore-KR" altLang="en-US" smtClean="0"/>
-              <a:t>2022. 12. 1.</a:t>
+              <a:t>2022. 12. 23.</a:t>
             </a:fld>
             <a:endParaRPr kumimoji="1" lang="ko-Kore-KR" altLang="en-US"/>
           </a:p>
@@ -1418,7 +1418,7 @@
           <a:p>
             <a:fld id="{0E6F38B1-3A5F-A841-B5E8-3AADCC540B56}" type="datetimeFigureOut">
               <a:rPr kumimoji="1" lang="ko-Kore-KR" altLang="en-US" smtClean="0"/>
-              <a:t>2022. 12. 1.</a:t>
+              <a:t>2022. 12. 23.</a:t>
             </a:fld>
             <a:endParaRPr kumimoji="1" lang="ko-Kore-KR" altLang="en-US"/>
           </a:p>
@@ -1833,7 +1833,7 @@
           <a:p>
             <a:fld id="{0E6F38B1-3A5F-A841-B5E8-3AADCC540B56}" type="datetimeFigureOut">
               <a:rPr kumimoji="1" lang="ko-Kore-KR" altLang="en-US" smtClean="0"/>
-              <a:t>2022. 12. 1.</a:t>
+              <a:t>2022. 12. 23.</a:t>
             </a:fld>
             <a:endParaRPr kumimoji="1" lang="ko-Kore-KR" altLang="en-US"/>
           </a:p>
@@ -1975,7 +1975,7 @@
           <a:p>
             <a:fld id="{0E6F38B1-3A5F-A841-B5E8-3AADCC540B56}" type="datetimeFigureOut">
               <a:rPr kumimoji="1" lang="ko-Kore-KR" altLang="en-US" smtClean="0"/>
-              <a:t>2022. 12. 1.</a:t>
+              <a:t>2022. 12. 23.</a:t>
             </a:fld>
             <a:endParaRPr kumimoji="1" lang="ko-Kore-KR" altLang="en-US"/>
           </a:p>
@@ -2088,7 +2088,7 @@
           <a:p>
             <a:fld id="{0E6F38B1-3A5F-A841-B5E8-3AADCC540B56}" type="datetimeFigureOut">
               <a:rPr kumimoji="1" lang="ko-Kore-KR" altLang="en-US" smtClean="0"/>
-              <a:t>2022. 12. 1.</a:t>
+              <a:t>2022. 12. 23.</a:t>
             </a:fld>
             <a:endParaRPr kumimoji="1" lang="ko-Kore-KR" altLang="en-US"/>
           </a:p>
@@ -2401,7 +2401,7 @@
           <a:p>
             <a:fld id="{0E6F38B1-3A5F-A841-B5E8-3AADCC540B56}" type="datetimeFigureOut">
               <a:rPr kumimoji="1" lang="ko-Kore-KR" altLang="en-US" smtClean="0"/>
-              <a:t>2022. 12. 1.</a:t>
+              <a:t>2022. 12. 23.</a:t>
             </a:fld>
             <a:endParaRPr kumimoji="1" lang="ko-Kore-KR" altLang="en-US"/>
           </a:p>
@@ -2690,7 +2690,7 @@
           <a:p>
             <a:fld id="{0E6F38B1-3A5F-A841-B5E8-3AADCC540B56}" type="datetimeFigureOut">
               <a:rPr kumimoji="1" lang="ko-Kore-KR" altLang="en-US" smtClean="0"/>
-              <a:t>2022. 12. 1.</a:t>
+              <a:t>2022. 12. 23.</a:t>
             </a:fld>
             <a:endParaRPr kumimoji="1" lang="ko-Kore-KR" altLang="en-US"/>
           </a:p>
@@ -2933,7 +2933,7 @@
           <a:p>
             <a:fld id="{0E6F38B1-3A5F-A841-B5E8-3AADCC540B56}" type="datetimeFigureOut">
               <a:rPr kumimoji="1" lang="ko-Kore-KR" altLang="en-US" smtClean="0"/>
-              <a:t>2022. 12. 1.</a:t>
+              <a:t>2022. 12. 23.</a:t>
             </a:fld>
             <a:endParaRPr kumimoji="1" lang="ko-Kore-KR" altLang="en-US"/>
           </a:p>
